--- a/Federated Learning- Nguyen Trong Binh (2).pptx
+++ b/Federated Learning- Nguyen Trong Binh (2).pptx
@@ -5,7 +5,7 @@
     <p:sldMasterId id="2147483660" r:id="rId1"/>
   </p:sldMasterIdLst>
   <p:notesMasterIdLst>
-    <p:notesMasterId r:id="rId16"/>
+    <p:notesMasterId r:id="rId17"/>
   </p:notesMasterIdLst>
   <p:sldIdLst>
     <p:sldId id="1366" r:id="rId2"/>
@@ -22,6 +22,7 @@
     <p:sldId id="1392" r:id="rId13"/>
     <p:sldId id="1393" r:id="rId14"/>
     <p:sldId id="1394" r:id="rId15"/>
+    <p:sldId id="1395" r:id="rId16"/>
   </p:sldIdLst>
   <p:sldSz cx="12192000" cy="6858000"/>
   <p:notesSz cx="6858000" cy="9144000"/>
@@ -219,7 +220,7 @@
           <a:p>
             <a:fld id="{AA200152-EC61-40A0-9CF7-BFC2318F2F73}" type="datetimeFigureOut">
               <a:rPr lang="en-US" smtClean="0"/>
-              <a:t>11/20/2023</a:t>
+              <a:t>11/21/2023</a:t>
             </a:fld>
             <a:endParaRPr lang="en-US"/>
           </a:p>
@@ -1361,6 +1362,154 @@
     <p:extLst>
       <p:ext uri="{BB962C8B-B14F-4D97-AF65-F5344CB8AC3E}">
         <p14:creationId xmlns:p14="http://schemas.microsoft.com/office/powerpoint/2010/main" val="505149919"/>
+      </p:ext>
+    </p:extLst>
+  </p:cSld>
+  <p:clrMapOvr>
+    <a:masterClrMapping/>
+  </p:clrMapOvr>
+</p:notes>
+</file>
+
+<file path=ppt/notesSlides/notesSlide15.xml><?xml version="1.0" encoding="utf-8"?>
+<p:notes xmlns:a="http://schemas.openxmlformats.org/drawingml/2006/main" xmlns:r="http://schemas.openxmlformats.org/officeDocument/2006/relationships" xmlns:p="http://schemas.openxmlformats.org/presentationml/2006/main">
+  <p:cSld>
+    <p:spTree>
+      <p:nvGrpSpPr>
+        <p:cNvPr id="1" name=""/>
+        <p:cNvGrpSpPr/>
+        <p:nvPr/>
+      </p:nvGrpSpPr>
+      <p:grpSpPr>
+        <a:xfrm>
+          <a:off x="0" y="0"/>
+          <a:ext cx="0" cy="0"/>
+          <a:chOff x="0" y="0"/>
+          <a:chExt cx="0" cy="0"/>
+        </a:xfrm>
+      </p:grpSpPr>
+      <p:sp>
+        <p:nvSpPr>
+          <p:cNvPr id="2" name="슬라이드 이미지 개체 틀 1"/>
+          <p:cNvSpPr>
+            <a:spLocks noGrp="1" noRot="1" noChangeAspect="1"/>
+          </p:cNvSpPr>
+          <p:nvPr>
+            <p:ph type="sldImg"/>
+          </p:nvPr>
+        </p:nvSpPr>
+        <p:spPr/>
+      </p:sp>
+      <p:sp>
+        <p:nvSpPr>
+          <p:cNvPr id="3" name="슬라이드 노트 개체 틀 2"/>
+          <p:cNvSpPr>
+            <a:spLocks noGrp="1"/>
+          </p:cNvSpPr>
+          <p:nvPr>
+            <p:ph type="body" idx="1"/>
+          </p:nvPr>
+        </p:nvSpPr>
+        <p:spPr/>
+        <p:txBody>
+          <a:bodyPr/>
+          <a:lstStyle/>
+          <a:p>
+            <a:pPr marL="0" indent="0">
+              <a:buFontTx/>
+              <a:buNone/>
+            </a:pPr>
+            <a:endParaRPr lang="en-US" dirty="0"/>
+          </a:p>
+        </p:txBody>
+      </p:sp>
+      <p:sp>
+        <p:nvSpPr>
+          <p:cNvPr id="4" name="슬라이드 번호 개체 틀 3"/>
+          <p:cNvSpPr>
+            <a:spLocks noGrp="1"/>
+          </p:cNvSpPr>
+          <p:nvPr>
+            <p:ph type="sldNum" sz="quarter" idx="5"/>
+          </p:nvPr>
+        </p:nvSpPr>
+        <p:spPr/>
+        <p:txBody>
+          <a:bodyPr/>
+          <a:lstStyle/>
+          <a:p>
+            <a:pPr marL="0" marR="0" lvl="0" indent="0" algn="r" defTabSz="972265" rtl="0" eaLnBrk="1" fontAlgn="base" latinLnBrk="0" hangingPunct="1">
+              <a:lnSpc>
+                <a:spcPct val="100000"/>
+              </a:lnSpc>
+              <a:spcBef>
+                <a:spcPct val="0"/>
+              </a:spcBef>
+              <a:spcAft>
+                <a:spcPct val="0"/>
+              </a:spcAft>
+              <a:buClrTx/>
+              <a:buSzTx/>
+              <a:buFontTx/>
+              <a:buNone/>
+              <a:tabLst/>
+              <a:defRPr/>
+            </a:pPr>
+            <a:fld id="{10A37E06-B523-488F-87E4-3508340D6357}" type="slidenum">
+              <a:rPr kumimoji="0" lang="ko-KR" altLang="en-GB" sz="1300" b="0" i="0" u="none" strike="noStrike" kern="1200" cap="none" spc="0" normalizeH="0" baseline="0" noProof="0" smtClean="0">
+                <a:ln>
+                  <a:noFill/>
+                </a:ln>
+                <a:solidFill>
+                  <a:srgbClr val="000000"/>
+                </a:solidFill>
+                <a:effectLst/>
+                <a:uLnTx/>
+                <a:uFillTx/>
+                <a:latin typeface="Arial" charset="0"/>
+                <a:ea typeface="굴림" pitchFamily="50" charset="-127"/>
+                <a:cs typeface="+mn-cs"/>
+              </a:rPr>
+              <a:pPr marL="0" marR="0" lvl="0" indent="0" algn="r" defTabSz="972265" rtl="0" eaLnBrk="1" fontAlgn="base" latinLnBrk="0" hangingPunct="1">
+                <a:lnSpc>
+                  <a:spcPct val="100000"/>
+                </a:lnSpc>
+                <a:spcBef>
+                  <a:spcPct val="0"/>
+                </a:spcBef>
+                <a:spcAft>
+                  <a:spcPct val="0"/>
+                </a:spcAft>
+                <a:buClrTx/>
+                <a:buSzTx/>
+                <a:buFontTx/>
+                <a:buNone/>
+                <a:tabLst/>
+                <a:defRPr/>
+              </a:pPr>
+              <a:t>15</a:t>
+            </a:fld>
+            <a:endParaRPr kumimoji="0" lang="en-GB" altLang="ko-KR" sz="1300" b="0" i="0" u="none" strike="noStrike" kern="1200" cap="none" spc="0" normalizeH="0" baseline="0" noProof="0">
+              <a:ln>
+                <a:noFill/>
+              </a:ln>
+              <a:solidFill>
+                <a:srgbClr val="000000"/>
+              </a:solidFill>
+              <a:effectLst/>
+              <a:uLnTx/>
+              <a:uFillTx/>
+              <a:latin typeface="Arial" charset="0"/>
+              <a:ea typeface="굴림" pitchFamily="50" charset="-127"/>
+              <a:cs typeface="+mn-cs"/>
+            </a:endParaRPr>
+          </a:p>
+        </p:txBody>
+      </p:sp>
+    </p:spTree>
+    <p:extLst>
+      <p:ext uri="{BB962C8B-B14F-4D97-AF65-F5344CB8AC3E}">
+        <p14:creationId xmlns:p14="http://schemas.microsoft.com/office/powerpoint/2010/main" val="2798029256"/>
       </p:ext>
     </p:extLst>
   </p:cSld>
@@ -4305,7 +4454,7 @@
                 <a:ea typeface="맑은 고딕" panose="020B0503020000020004" pitchFamily="50" charset="-127"/>
                 <a:cs typeface="Arial" panose="020B0604020202020204" pitchFamily="34" charset="0"/>
               </a:rPr>
-              <a:t>November 9th, 2023</a:t>
+              <a:t>November 21th, 2023</a:t>
             </a:r>
             <a:endParaRPr kumimoji="0" lang="ko-KR" altLang="en-US" sz="1800" b="1" i="0" u="none" strike="noStrike" kern="1200" cap="none" spc="0" normalizeH="0" baseline="0" noProof="0" dirty="0">
               <a:ln>
@@ -6130,7 +6279,7 @@
             </a:r>
           </a:p>
           <a:p>
-            <a:endParaRPr lang="en-US" altLang="ko-KR" sz="2400" b="0" i="1">
+            <a:endParaRPr lang="en-US" altLang="ko-KR" sz="2400" b="0" i="1" dirty="0">
               <a:effectLst/>
               <a:ea typeface="굴림"/>
             </a:endParaRPr>
@@ -6152,7 +6301,7 @@
         <p:spPr>
           <a:xfrm>
             <a:off x="767407" y="1309985"/>
-            <a:ext cx="10562671" cy="3493264"/>
+            <a:ext cx="10562671" cy="5078313"/>
           </a:xfrm>
           <a:prstGeom prst="rect">
             <a:avLst/>
@@ -6249,15 +6398,7 @@
                 <a:ea typeface="SimSun"/>
                 <a:cs typeface="Times New Roman"/>
               </a:rPr>
-              <a:t>Instead of traditional averaging, proposed weighting strategy, assign weight to local client parameters </a:t>
-            </a:r>
-            <a:r>
-              <a:rPr lang="en-US">
-                <a:latin typeface="Times New Roman"/>
-                <a:ea typeface="SimSun"/>
-                <a:cs typeface="Times New Roman"/>
-              </a:rPr>
-              <a:t>then average. This lead to overall effectiveness</a:t>
+              <a:t>Instead of traditional averaging, proposed weighting strategy, assign weight to local client parameters then average. This leads to overall effectiveness</a:t>
             </a:r>
           </a:p>
           <a:p>
@@ -6292,12 +6433,26 @@
             </a:pPr>
             <a:r>
               <a:rPr lang="en-US" dirty="0">
-                <a:latin typeface="Times New Roman"/>
-                <a:ea typeface="SimSun"/>
-                <a:cs typeface="Times New Roman"/>
-              </a:rPr>
-              <a:t>First train the pole parameters    , then train the angle parameters</a:t>
-            </a:r>
+                <a:latin typeface="Times New Roman" panose="02020603050405020304" pitchFamily="18" charset="0"/>
+                <a:cs typeface="Times New Roman" panose="02020603050405020304" pitchFamily="18" charset="0"/>
+              </a:rPr>
+              <a:t>DUNs involve exploiting and reformulating an iterative algorithm as a deep neural network</a:t>
+            </a:r>
+          </a:p>
+          <a:p>
+            <a:pPr lvl="1">
+              <a:spcBef>
+                <a:spcPct val="0"/>
+              </a:spcBef>
+              <a:spcAft>
+                <a:spcPct val="0"/>
+              </a:spcAft>
+              <a:defRPr/>
+            </a:pPr>
+            <a:endParaRPr lang="en-US" dirty="0">
+              <a:latin typeface="Times New Roman" panose="02020603050405020304" pitchFamily="18" charset="0"/>
+              <a:cs typeface="Times New Roman" panose="02020603050405020304" pitchFamily="18" charset="0"/>
+            </a:endParaRPr>
           </a:p>
           <a:p>
             <a:pPr marL="742950" lvl="1" indent="-285750">
@@ -6311,7 +6466,13 @@
               <a:buChar char="•"/>
               <a:defRPr/>
             </a:pPr>
-            <a:endParaRPr lang="en-US"/>
+            <a:r>
+              <a:rPr lang="en-US" dirty="0">
+                <a:latin typeface="Times New Roman" panose="02020603050405020304" pitchFamily="18" charset="0"/>
+                <a:cs typeface="Times New Roman" panose="02020603050405020304" pitchFamily="18" charset="0"/>
+              </a:rPr>
+              <a:t>F() Denotes the function or operation applied to the state          using parameters        to obtain the update state</a:t>
+            </a:r>
           </a:p>
           <a:p>
             <a:pPr marL="742950" lvl="1" indent="-285750">
@@ -6325,37 +6486,106 @@
               <a:buChar char="•"/>
               <a:defRPr/>
             </a:pPr>
+            <a:endParaRPr lang="en-US" dirty="0">
+              <a:latin typeface="Times New Roman" panose="02020603050405020304" pitchFamily="18" charset="0"/>
+              <a:cs typeface="Times New Roman" panose="02020603050405020304" pitchFamily="18" charset="0"/>
+            </a:endParaRPr>
+          </a:p>
+          <a:p>
+            <a:pPr marL="742950" lvl="1" indent="-285750">
+              <a:spcBef>
+                <a:spcPct val="0"/>
+              </a:spcBef>
+              <a:spcAft>
+                <a:spcPct val="0"/>
+              </a:spcAft>
+              <a:buFont typeface="Arial,Sans-Serif" panose="05000000000000000000" pitchFamily="2" charset="2"/>
+              <a:buChar char="•"/>
+              <a:defRPr/>
+            </a:pPr>
+            <a:endParaRPr lang="en-US" dirty="0">
+              <a:latin typeface="Times New Roman" panose="02020603050405020304" pitchFamily="18" charset="0"/>
+              <a:cs typeface="Times New Roman" panose="02020603050405020304" pitchFamily="18" charset="0"/>
+            </a:endParaRPr>
+          </a:p>
+          <a:p>
+            <a:pPr marL="742950" lvl="1" indent="-285750">
+              <a:spcBef>
+                <a:spcPct val="0"/>
+              </a:spcBef>
+              <a:spcAft>
+                <a:spcPct val="0"/>
+              </a:spcAft>
+              <a:buFont typeface="Arial,Sans-Serif" panose="05000000000000000000" pitchFamily="2" charset="2"/>
+              <a:buChar char="•"/>
+              <a:defRPr/>
+            </a:pPr>
             <a:r>
               <a:rPr lang="en-US" dirty="0">
-                <a:solidFill>
-                  <a:srgbClr val="1D528D"/>
-                </a:solidFill>
-                <a:latin typeface="Times New Roman"/>
-                <a:ea typeface="+mn-lt"/>
-                <a:cs typeface="Times New Roman"/>
-              </a:rPr>
-              <a:t>Each communication round, depending on channel condition, the device can upload: only pole parameters or both pole and angle parameters.</a:t>
-            </a:r>
-          </a:p>
-          <a:p>
-            <a:pPr marL="285750" indent="-285750" fontAlgn="base">
-              <a:spcBef>
-                <a:spcPts val="600"/>
-              </a:spcBef>
-              <a:spcAft>
-                <a:spcPct val="0"/>
-              </a:spcAft>
-              <a:buFont typeface="Wingdings" panose="05000000000000000000" pitchFamily="2" charset="2"/>
-              <a:buChar char="v"/>
-              <a:defRPr/>
-            </a:pPr>
-            <a:endParaRPr lang="en-US" b="1" dirty="0">
-              <a:solidFill>
-                <a:srgbClr val="1D528D"/>
-              </a:solidFill>
-              <a:latin typeface="Times New Roman" pitchFamily="18" charset="0"/>
-              <a:ea typeface="SimSun" pitchFamily="2" charset="-122"/>
-              <a:cs typeface="Times New Roman" pitchFamily="18" charset="0"/>
+                <a:latin typeface="Times New Roman" panose="02020603050405020304" pitchFamily="18" charset="0"/>
+                <a:cs typeface="Times New Roman" panose="02020603050405020304" pitchFamily="18" charset="0"/>
+              </a:rPr>
+              <a:t>Deep unfolding can transform such an iterative algorithm into a deep neural network as</a:t>
+            </a:r>
+          </a:p>
+          <a:p>
+            <a:pPr lvl="1">
+              <a:spcBef>
+                <a:spcPct val="0"/>
+              </a:spcBef>
+              <a:spcAft>
+                <a:spcPct val="0"/>
+              </a:spcAft>
+              <a:defRPr/>
+            </a:pPr>
+            <a:endParaRPr lang="en-US" dirty="0">
+              <a:latin typeface="Times New Roman" panose="02020603050405020304" pitchFamily="18" charset="0"/>
+              <a:cs typeface="Times New Roman" panose="02020603050405020304" pitchFamily="18" charset="0"/>
+            </a:endParaRPr>
+          </a:p>
+          <a:p>
+            <a:pPr lvl="1">
+              <a:spcBef>
+                <a:spcPct val="0"/>
+              </a:spcBef>
+              <a:spcAft>
+                <a:spcPct val="0"/>
+              </a:spcAft>
+              <a:defRPr/>
+            </a:pPr>
+            <a:endParaRPr lang="en-US" dirty="0">
+              <a:latin typeface="Times New Roman" panose="02020603050405020304" pitchFamily="18" charset="0"/>
+              <a:cs typeface="Times New Roman" panose="02020603050405020304" pitchFamily="18" charset="0"/>
+            </a:endParaRPr>
+          </a:p>
+          <a:p>
+            <a:pPr lvl="1">
+              <a:spcBef>
+                <a:spcPct val="0"/>
+              </a:spcBef>
+              <a:spcAft>
+                <a:spcPct val="0"/>
+              </a:spcAft>
+              <a:defRPr/>
+            </a:pPr>
+            <a:endParaRPr lang="en-US" dirty="0">
+              <a:latin typeface="Times New Roman" panose="02020603050405020304" pitchFamily="18" charset="0"/>
+              <a:cs typeface="Times New Roman" panose="02020603050405020304" pitchFamily="18" charset="0"/>
+            </a:endParaRPr>
+          </a:p>
+          <a:p>
+            <a:pPr lvl="1">
+              <a:spcBef>
+                <a:spcPct val="0"/>
+              </a:spcBef>
+              <a:spcAft>
+                <a:spcPct val="0"/>
+              </a:spcAft>
+              <a:defRPr/>
+            </a:pPr>
+            <a:endParaRPr lang="en-US" dirty="0">
+              <a:latin typeface="Times New Roman" panose="02020603050405020304" pitchFamily="18" charset="0"/>
+              <a:cs typeface="Times New Roman" panose="02020603050405020304" pitchFamily="18" charset="0"/>
             </a:endParaRPr>
           </a:p>
           <a:p>
@@ -6379,10 +6609,552 @@
           </a:p>
         </p:txBody>
       </p:sp>
+      <p:pic>
+        <p:nvPicPr>
+          <p:cNvPr id="2" name="Picture 1">
+            <a:extLst>
+              <a:ext uri="{FF2B5EF4-FFF2-40B4-BE49-F238E27FC236}">
+                <a16:creationId xmlns:a16="http://schemas.microsoft.com/office/drawing/2014/main" id="{6F45066D-BC5D-DAAF-9D6C-0250CB753916}"/>
+              </a:ext>
+            </a:extLst>
+          </p:cNvPr>
+          <p:cNvPicPr>
+            <a:picLocks noChangeAspect="1"/>
+          </p:cNvPicPr>
+          <p:nvPr/>
+        </p:nvPicPr>
+        <p:blipFill>
+          <a:blip r:embed="rId3"/>
+          <a:stretch>
+            <a:fillRect/>
+          </a:stretch>
+        </p:blipFill>
+        <p:spPr>
+          <a:xfrm>
+            <a:off x="3676690" y="4140046"/>
+            <a:ext cx="2225233" cy="320068"/>
+          </a:xfrm>
+          <a:prstGeom prst="rect">
+            <a:avLst/>
+          </a:prstGeom>
+        </p:spPr>
+      </p:pic>
+      <p:pic>
+        <p:nvPicPr>
+          <p:cNvPr id="6" name="Picture 5">
+            <a:extLst>
+              <a:ext uri="{FF2B5EF4-FFF2-40B4-BE49-F238E27FC236}">
+                <a16:creationId xmlns:a16="http://schemas.microsoft.com/office/drawing/2014/main" id="{D86EB111-AC77-0482-1A42-B6661E4D920F}"/>
+              </a:ext>
+            </a:extLst>
+          </p:cNvPr>
+          <p:cNvPicPr>
+            <a:picLocks noChangeAspect="1"/>
+          </p:cNvPicPr>
+          <p:nvPr/>
+        </p:nvPicPr>
+        <p:blipFill>
+          <a:blip r:embed="rId4"/>
+          <a:stretch>
+            <a:fillRect/>
+          </a:stretch>
+        </p:blipFill>
+        <p:spPr>
+          <a:xfrm>
+            <a:off x="6833768" y="3532226"/>
+            <a:ext cx="510584" cy="312188"/>
+          </a:xfrm>
+          <a:prstGeom prst="rect">
+            <a:avLst/>
+          </a:prstGeom>
+        </p:spPr>
+      </p:pic>
+      <p:pic>
+        <p:nvPicPr>
+          <p:cNvPr id="7" name="Picture 6">
+            <a:extLst>
+              <a:ext uri="{FF2B5EF4-FFF2-40B4-BE49-F238E27FC236}">
+                <a16:creationId xmlns:a16="http://schemas.microsoft.com/office/drawing/2014/main" id="{C65AAB2F-F82C-A81B-BFC3-999C8D487F7F}"/>
+              </a:ext>
+            </a:extLst>
+          </p:cNvPr>
+          <p:cNvPicPr>
+            <a:picLocks noChangeAspect="1"/>
+          </p:cNvPicPr>
+          <p:nvPr/>
+        </p:nvPicPr>
+        <p:blipFill>
+          <a:blip r:embed="rId5"/>
+          <a:stretch>
+            <a:fillRect/>
+          </a:stretch>
+        </p:blipFill>
+        <p:spPr>
+          <a:xfrm>
+            <a:off x="2112331" y="3789496"/>
+            <a:ext cx="632515" cy="350550"/>
+          </a:xfrm>
+          <a:prstGeom prst="rect">
+            <a:avLst/>
+          </a:prstGeom>
+        </p:spPr>
+      </p:pic>
+      <p:pic>
+        <p:nvPicPr>
+          <p:cNvPr id="8" name="Picture 7">
+            <a:extLst>
+              <a:ext uri="{FF2B5EF4-FFF2-40B4-BE49-F238E27FC236}">
+                <a16:creationId xmlns:a16="http://schemas.microsoft.com/office/drawing/2014/main" id="{C88CFC58-246A-90A0-8850-376841198D4D}"/>
+              </a:ext>
+            </a:extLst>
+          </p:cNvPr>
+          <p:cNvPicPr>
+            <a:picLocks noChangeAspect="1"/>
+          </p:cNvPicPr>
+          <p:nvPr/>
+        </p:nvPicPr>
+        <p:blipFill>
+          <a:blip r:embed="rId6"/>
+          <a:stretch>
+            <a:fillRect/>
+          </a:stretch>
+        </p:blipFill>
+        <p:spPr>
+          <a:xfrm>
+            <a:off x="8945250" y="3575245"/>
+            <a:ext cx="358171" cy="312447"/>
+          </a:xfrm>
+          <a:prstGeom prst="rect">
+            <a:avLst/>
+          </a:prstGeom>
+        </p:spPr>
+      </p:pic>
+      <p:pic>
+        <p:nvPicPr>
+          <p:cNvPr id="9" name="Picture 8">
+            <a:extLst>
+              <a:ext uri="{FF2B5EF4-FFF2-40B4-BE49-F238E27FC236}">
+                <a16:creationId xmlns:a16="http://schemas.microsoft.com/office/drawing/2014/main" id="{257B4CF1-3B3E-F0EE-7DFD-C8E7E5564C05}"/>
+              </a:ext>
+            </a:extLst>
+          </p:cNvPr>
+          <p:cNvPicPr>
+            <a:picLocks noChangeAspect="1"/>
+          </p:cNvPicPr>
+          <p:nvPr/>
+        </p:nvPicPr>
+        <p:blipFill>
+          <a:blip r:embed="rId7"/>
+          <a:stretch>
+            <a:fillRect/>
+          </a:stretch>
+        </p:blipFill>
+        <p:spPr>
+          <a:xfrm>
+            <a:off x="3262231" y="5073655"/>
+            <a:ext cx="3464887" cy="474359"/>
+          </a:xfrm>
+          <a:prstGeom prst="rect">
+            <a:avLst/>
+          </a:prstGeom>
+        </p:spPr>
+      </p:pic>
     </p:spTree>
     <p:extLst>
       <p:ext uri="{BB962C8B-B14F-4D97-AF65-F5344CB8AC3E}">
         <p14:creationId xmlns:p14="http://schemas.microsoft.com/office/powerpoint/2010/main" val="3625012453"/>
+      </p:ext>
+    </p:extLst>
+  </p:cSld>
+  <p:clrMapOvr>
+    <a:masterClrMapping/>
+  </p:clrMapOvr>
+  <p:transition>
+    <p:fade/>
+  </p:transition>
+</p:sld>
+</file>
+
+<file path=ppt/slides/slide15.xml><?xml version="1.0" encoding="utf-8"?>
+<p:sld xmlns:a="http://schemas.openxmlformats.org/drawingml/2006/main" xmlns:r="http://schemas.openxmlformats.org/officeDocument/2006/relationships" xmlns:p="http://schemas.openxmlformats.org/presentationml/2006/main">
+  <p:cSld>
+    <p:spTree>
+      <p:nvGrpSpPr>
+        <p:cNvPr id="1" name=""/>
+        <p:cNvGrpSpPr/>
+        <p:nvPr/>
+      </p:nvGrpSpPr>
+      <p:grpSpPr>
+        <a:xfrm>
+          <a:off x="0" y="0"/>
+          <a:ext cx="0" cy="0"/>
+          <a:chOff x="0" y="0"/>
+          <a:chExt cx="0" cy="0"/>
+        </a:xfrm>
+      </p:grpSpPr>
+      <p:sp>
+        <p:nvSpPr>
+          <p:cNvPr id="4" name="Slide Number Placeholder 3"/>
+          <p:cNvSpPr>
+            <a:spLocks noGrp="1"/>
+          </p:cNvSpPr>
+          <p:nvPr>
+            <p:ph type="sldNum" sz="quarter" idx="4"/>
+          </p:nvPr>
+        </p:nvSpPr>
+        <p:spPr>
+          <a:xfrm>
+            <a:off x="11486429" y="6626850"/>
+            <a:ext cx="730251" cy="331787"/>
+          </a:xfrm>
+        </p:spPr>
+        <p:txBody>
+          <a:bodyPr/>
+          <a:lstStyle/>
+          <a:p>
+            <a:pPr marL="0" marR="0" lvl="0" indent="0" algn="ctr" defTabSz="914400" rtl="0" eaLnBrk="1" fontAlgn="base" latinLnBrk="0" hangingPunct="1">
+              <a:lnSpc>
+                <a:spcPct val="100000"/>
+              </a:lnSpc>
+              <a:spcBef>
+                <a:spcPct val="0"/>
+              </a:spcBef>
+              <a:spcAft>
+                <a:spcPct val="0"/>
+              </a:spcAft>
+              <a:buClrTx/>
+              <a:buSzTx/>
+              <a:buFontTx/>
+              <a:buNone/>
+              <a:tabLst/>
+              <a:defRPr/>
+            </a:pPr>
+            <a:fld id="{5B0B1232-FD83-41E3-BF8E-DEF9EFD61675}" type="slidenum">
+              <a:rPr kumimoji="0" lang="ko-KR" altLang="en-US" sz="1200" b="0" i="0" u="none" strike="noStrike" kern="1200" cap="none" spc="0" normalizeH="0" baseline="0" noProof="0" smtClean="0">
+                <a:ln>
+                  <a:noFill/>
+                </a:ln>
+                <a:solidFill>
+                  <a:srgbClr val="FFFFFF">
+                    <a:lumMod val="65000"/>
+                  </a:srgbClr>
+                </a:solidFill>
+                <a:effectLst>
+                  <a:outerShdw blurRad="38100" dist="38100" dir="2700000" algn="tl">
+                    <a:srgbClr val="C0C0C0"/>
+                  </a:outerShdw>
+                </a:effectLst>
+                <a:uLnTx/>
+                <a:uFillTx/>
+                <a:latin typeface="Arial" panose="020B0604020202020204" pitchFamily="34" charset="0"/>
+                <a:ea typeface="굴림" pitchFamily="34" charset="-127"/>
+                <a:cs typeface="Arial" panose="020B0604020202020204" pitchFamily="34" charset="0"/>
+              </a:rPr>
+              <a:pPr marL="0" marR="0" lvl="0" indent="0" algn="ctr" defTabSz="914400" rtl="0" eaLnBrk="1" fontAlgn="base" latinLnBrk="0" hangingPunct="1">
+                <a:lnSpc>
+                  <a:spcPct val="100000"/>
+                </a:lnSpc>
+                <a:spcBef>
+                  <a:spcPct val="0"/>
+                </a:spcBef>
+                <a:spcAft>
+                  <a:spcPct val="0"/>
+                </a:spcAft>
+                <a:buClrTx/>
+                <a:buSzTx/>
+                <a:buFontTx/>
+                <a:buNone/>
+                <a:tabLst/>
+                <a:defRPr/>
+              </a:pPr>
+              <a:t>15</a:t>
+            </a:fld>
+            <a:endParaRPr kumimoji="0" lang="en-US" altLang="ko-KR" sz="1200" b="0" i="0" u="none" strike="noStrike" kern="1200" cap="none" spc="0" normalizeH="0" baseline="0" noProof="0" dirty="0">
+              <a:ln>
+                <a:noFill/>
+              </a:ln>
+              <a:solidFill>
+                <a:srgbClr val="FFFFFF">
+                  <a:lumMod val="65000"/>
+                </a:srgbClr>
+              </a:solidFill>
+              <a:effectLst>
+                <a:outerShdw blurRad="38100" dist="38100" dir="2700000" algn="tl">
+                  <a:srgbClr val="C0C0C0"/>
+                </a:outerShdw>
+              </a:effectLst>
+              <a:uLnTx/>
+              <a:uFillTx/>
+              <a:latin typeface="Arial" panose="020B0604020202020204" pitchFamily="34" charset="0"/>
+              <a:ea typeface="굴림" pitchFamily="34" charset="-127"/>
+              <a:cs typeface="Arial" panose="020B0604020202020204" pitchFamily="34" charset="0"/>
+            </a:endParaRPr>
+          </a:p>
+        </p:txBody>
+      </p:sp>
+      <p:sp>
+        <p:nvSpPr>
+          <p:cNvPr id="11" name="제목 10"/>
+          <p:cNvSpPr>
+            <a:spLocks noGrp="1"/>
+          </p:cNvSpPr>
+          <p:nvPr>
+            <p:ph type="title"/>
+          </p:nvPr>
+        </p:nvSpPr>
+        <p:spPr>
+          <a:xfrm>
+            <a:off x="509332" y="642772"/>
+            <a:ext cx="10355902" cy="537830"/>
+          </a:xfrm>
+        </p:spPr>
+        <p:txBody>
+          <a:bodyPr/>
+          <a:lstStyle/>
+          <a:p>
+            <a:r>
+              <a:rPr lang="en-US" altLang="ko-KR" dirty="0">
+                <a:latin typeface="맑은 고딕"/>
+                <a:ea typeface="굴림"/>
+                <a:cs typeface="Arial"/>
+              </a:rPr>
+              <a:t>2. Quantum Machine Learning: </a:t>
+            </a:r>
+            <a:r>
+              <a:rPr lang="en-US" sz="2400" b="0" i="1" dirty="0">
+                <a:latin typeface="Malgun Gothic"/>
+                <a:ea typeface="Malgun Gothic"/>
+                <a:cs typeface="Arial"/>
+              </a:rPr>
+              <a:t>QFL-Deep Unfolding Network</a:t>
+            </a:r>
+          </a:p>
+          <a:p>
+            <a:endParaRPr lang="en-US" altLang="ko-KR" sz="2400" b="0" i="1">
+              <a:effectLst/>
+              <a:ea typeface="굴림"/>
+            </a:endParaRPr>
+          </a:p>
+        </p:txBody>
+      </p:sp>
+      <p:sp>
+        <p:nvSpPr>
+          <p:cNvPr id="9" name="TextBox 8">
+            <a:extLst>
+              <a:ext uri="{FF2B5EF4-FFF2-40B4-BE49-F238E27FC236}">
+                <a16:creationId xmlns:a16="http://schemas.microsoft.com/office/drawing/2014/main" id="{C6F9D7FB-A0EA-72CB-144D-DF0DD2F2FC2E}"/>
+              </a:ext>
+            </a:extLst>
+          </p:cNvPr>
+          <p:cNvSpPr txBox="1"/>
+          <p:nvPr/>
+        </p:nvSpPr>
+        <p:spPr>
+          <a:xfrm>
+            <a:off x="767406" y="1309985"/>
+            <a:ext cx="8061961" cy="1831271"/>
+          </a:xfrm>
+          <a:prstGeom prst="rect">
+            <a:avLst/>
+          </a:prstGeom>
+          <a:noFill/>
+        </p:spPr>
+        <p:txBody>
+          <a:bodyPr wrap="square" lIns="91440" tIns="45720" rIns="91440" bIns="45720" rtlCol="0" anchor="t">
+            <a:spAutoFit/>
+          </a:bodyPr>
+          <a:lstStyle/>
+          <a:p>
+            <a:pPr marL="285750" indent="-285750" fontAlgn="base">
+              <a:spcBef>
+                <a:spcPct val="0"/>
+              </a:spcBef>
+              <a:spcAft>
+                <a:spcPct val="0"/>
+              </a:spcAft>
+              <a:buFont typeface="Wingdings" panose="05000000000000000000" pitchFamily="2" charset="2"/>
+              <a:buChar char="v"/>
+              <a:defRPr/>
+            </a:pPr>
+            <a:r>
+              <a:rPr lang="en-US" b="1" dirty="0">
+                <a:solidFill>
+                  <a:srgbClr val="1D528D"/>
+                </a:solidFill>
+                <a:latin typeface="Times New Roman"/>
+                <a:ea typeface="SimSun"/>
+                <a:cs typeface="Times New Roman"/>
+              </a:rPr>
+              <a:t>Quantum FL with deep Unfolding based weights:</a:t>
+            </a:r>
+          </a:p>
+          <a:p>
+            <a:pPr marL="742950" lvl="1" indent="-285750">
+              <a:spcBef>
+                <a:spcPct val="0"/>
+              </a:spcBef>
+              <a:spcAft>
+                <a:spcPct val="0"/>
+              </a:spcAft>
+              <a:buFont typeface="Arial,Sans-Serif" panose="05000000000000000000" pitchFamily="2" charset="2"/>
+              <a:buChar char="•"/>
+              <a:defRPr/>
+            </a:pPr>
+            <a:r>
+              <a:rPr lang="en-US" dirty="0">
+                <a:solidFill>
+                  <a:srgbClr val="1D528D"/>
+                </a:solidFill>
+                <a:latin typeface="Times New Roman"/>
+                <a:ea typeface="SimSun"/>
+                <a:cs typeface="Times New Roman"/>
+              </a:rPr>
+              <a:t>https://github.com/shanikairoshi/QFL-with-DUN.git</a:t>
+            </a:r>
+          </a:p>
+          <a:p>
+            <a:pPr marL="742950" lvl="1" indent="-285750">
+              <a:spcBef>
+                <a:spcPct val="0"/>
+              </a:spcBef>
+              <a:spcAft>
+                <a:spcPct val="0"/>
+              </a:spcAft>
+              <a:buFont typeface="Arial,Sans-Serif" panose="05000000000000000000" pitchFamily="2" charset="2"/>
+              <a:buChar char="•"/>
+              <a:defRPr/>
+            </a:pPr>
+            <a:endParaRPr lang="en-US" dirty="0">
+              <a:solidFill>
+                <a:srgbClr val="1D528D"/>
+              </a:solidFill>
+              <a:latin typeface="Times New Roman"/>
+              <a:ea typeface="SimSun"/>
+              <a:cs typeface="Times New Roman"/>
+            </a:endParaRPr>
+          </a:p>
+          <a:p>
+            <a:pPr lvl="1">
+              <a:spcBef>
+                <a:spcPct val="0"/>
+              </a:spcBef>
+              <a:spcAft>
+                <a:spcPct val="0"/>
+              </a:spcAft>
+              <a:defRPr/>
+            </a:pPr>
+            <a:endParaRPr lang="en-US" dirty="0">
+              <a:latin typeface="Times New Roman"/>
+              <a:ea typeface="SimSun"/>
+              <a:cs typeface="Times New Roman"/>
+            </a:endParaRPr>
+          </a:p>
+          <a:p>
+            <a:pPr>
+              <a:spcBef>
+                <a:spcPct val="0"/>
+              </a:spcBef>
+              <a:spcAft>
+                <a:spcPct val="0"/>
+              </a:spcAft>
+              <a:defRPr/>
+            </a:pPr>
+            <a:endParaRPr lang="en-US" dirty="0">
+              <a:solidFill>
+                <a:srgbClr val="1D528D"/>
+              </a:solidFill>
+              <a:latin typeface="Times New Roman" pitchFamily="18" charset="0"/>
+              <a:ea typeface="SimSun" pitchFamily="2" charset="-122"/>
+              <a:cs typeface="Times New Roman" pitchFamily="18" charset="0"/>
+            </a:endParaRPr>
+          </a:p>
+          <a:p>
+            <a:pPr marL="285750" indent="-285750" fontAlgn="base">
+              <a:spcBef>
+                <a:spcPts val="600"/>
+              </a:spcBef>
+              <a:spcAft>
+                <a:spcPct val="0"/>
+              </a:spcAft>
+              <a:buFont typeface="Wingdings" panose="05000000000000000000" pitchFamily="2" charset="2"/>
+              <a:buChar char="v"/>
+              <a:defRPr/>
+            </a:pPr>
+            <a:endParaRPr lang="en-US" dirty="0">
+              <a:solidFill>
+                <a:srgbClr val="1D528D"/>
+              </a:solidFill>
+              <a:latin typeface="Times New Roman" pitchFamily="18" charset="0"/>
+              <a:ea typeface="SimSun" pitchFamily="2" charset="-122"/>
+              <a:cs typeface="Times New Roman" pitchFamily="18" charset="0"/>
+            </a:endParaRPr>
+          </a:p>
+        </p:txBody>
+      </p:sp>
+      <p:pic>
+        <p:nvPicPr>
+          <p:cNvPr id="10" name="Picture 9">
+            <a:extLst>
+              <a:ext uri="{FF2B5EF4-FFF2-40B4-BE49-F238E27FC236}">
+                <a16:creationId xmlns:a16="http://schemas.microsoft.com/office/drawing/2014/main" id="{D5BC33F7-C66E-C4F7-2848-4CD1590E98E8}"/>
+              </a:ext>
+            </a:extLst>
+          </p:cNvPr>
+          <p:cNvPicPr>
+            <a:picLocks noChangeAspect="1"/>
+          </p:cNvPicPr>
+          <p:nvPr/>
+        </p:nvPicPr>
+        <p:blipFill>
+          <a:blip r:embed="rId3"/>
+          <a:stretch>
+            <a:fillRect/>
+          </a:stretch>
+        </p:blipFill>
+        <p:spPr>
+          <a:xfrm>
+            <a:off x="1291890" y="2189976"/>
+            <a:ext cx="4397121" cy="3657917"/>
+          </a:xfrm>
+          <a:prstGeom prst="rect">
+            <a:avLst/>
+          </a:prstGeom>
+        </p:spPr>
+      </p:pic>
+      <p:pic>
+        <p:nvPicPr>
+          <p:cNvPr id="12" name="Picture 11">
+            <a:extLst>
+              <a:ext uri="{FF2B5EF4-FFF2-40B4-BE49-F238E27FC236}">
+                <a16:creationId xmlns:a16="http://schemas.microsoft.com/office/drawing/2014/main" id="{26175C85-CF20-C869-7A35-43210C1A6CB5}"/>
+              </a:ext>
+            </a:extLst>
+          </p:cNvPr>
+          <p:cNvPicPr>
+            <a:picLocks noChangeAspect="1"/>
+          </p:cNvPicPr>
+          <p:nvPr/>
+        </p:nvPicPr>
+        <p:blipFill>
+          <a:blip r:embed="rId4"/>
+          <a:stretch>
+            <a:fillRect/>
+          </a:stretch>
+        </p:blipFill>
+        <p:spPr>
+          <a:xfrm>
+            <a:off x="5997679" y="2374995"/>
+            <a:ext cx="5456566" cy="3173019"/>
+          </a:xfrm>
+          <a:prstGeom prst="rect">
+            <a:avLst/>
+          </a:prstGeom>
+        </p:spPr>
+      </p:pic>
+    </p:spTree>
+    <p:extLst>
+      <p:ext uri="{BB962C8B-B14F-4D97-AF65-F5344CB8AC3E}">
+        <p14:creationId xmlns:p14="http://schemas.microsoft.com/office/powerpoint/2010/main" val="2160446120"/>
       </p:ext>
     </p:extLst>
   </p:cSld>

--- a/Federated Learning- Nguyen Trong Binh (2).pptx
+++ b/Federated Learning- Nguyen Trong Binh (2).pptx
@@ -5,7 +5,7 @@
     <p:sldMasterId id="2147483660" r:id="rId1"/>
   </p:sldMasterIdLst>
   <p:notesMasterIdLst>
-    <p:notesMasterId r:id="rId17"/>
+    <p:notesMasterId r:id="rId18"/>
   </p:notesMasterIdLst>
   <p:sldIdLst>
     <p:sldId id="1366" r:id="rId2"/>
@@ -23,6 +23,7 @@
     <p:sldId id="1393" r:id="rId14"/>
     <p:sldId id="1394" r:id="rId15"/>
     <p:sldId id="1395" r:id="rId16"/>
+    <p:sldId id="1396" r:id="rId17"/>
   </p:sldIdLst>
   <p:sldSz cx="12192000" cy="6858000"/>
   <p:notesSz cx="6858000" cy="9144000"/>
@@ -1510,6 +1511,154 @@
     <p:extLst>
       <p:ext uri="{BB962C8B-B14F-4D97-AF65-F5344CB8AC3E}">
         <p14:creationId xmlns:p14="http://schemas.microsoft.com/office/powerpoint/2010/main" val="2798029256"/>
+      </p:ext>
+    </p:extLst>
+  </p:cSld>
+  <p:clrMapOvr>
+    <a:masterClrMapping/>
+  </p:clrMapOvr>
+</p:notes>
+</file>
+
+<file path=ppt/notesSlides/notesSlide16.xml><?xml version="1.0" encoding="utf-8"?>
+<p:notes xmlns:a="http://schemas.openxmlformats.org/drawingml/2006/main" xmlns:r="http://schemas.openxmlformats.org/officeDocument/2006/relationships" xmlns:p="http://schemas.openxmlformats.org/presentationml/2006/main">
+  <p:cSld>
+    <p:spTree>
+      <p:nvGrpSpPr>
+        <p:cNvPr id="1" name=""/>
+        <p:cNvGrpSpPr/>
+        <p:nvPr/>
+      </p:nvGrpSpPr>
+      <p:grpSpPr>
+        <a:xfrm>
+          <a:off x="0" y="0"/>
+          <a:ext cx="0" cy="0"/>
+          <a:chOff x="0" y="0"/>
+          <a:chExt cx="0" cy="0"/>
+        </a:xfrm>
+      </p:grpSpPr>
+      <p:sp>
+        <p:nvSpPr>
+          <p:cNvPr id="2" name="슬라이드 이미지 개체 틀 1"/>
+          <p:cNvSpPr>
+            <a:spLocks noGrp="1" noRot="1" noChangeAspect="1"/>
+          </p:cNvSpPr>
+          <p:nvPr>
+            <p:ph type="sldImg"/>
+          </p:nvPr>
+        </p:nvSpPr>
+        <p:spPr/>
+      </p:sp>
+      <p:sp>
+        <p:nvSpPr>
+          <p:cNvPr id="3" name="슬라이드 노트 개체 틀 2"/>
+          <p:cNvSpPr>
+            <a:spLocks noGrp="1"/>
+          </p:cNvSpPr>
+          <p:nvPr>
+            <p:ph type="body" idx="1"/>
+          </p:nvPr>
+        </p:nvSpPr>
+        <p:spPr/>
+        <p:txBody>
+          <a:bodyPr/>
+          <a:lstStyle/>
+          <a:p>
+            <a:pPr marL="0" indent="0">
+              <a:buFontTx/>
+              <a:buNone/>
+            </a:pPr>
+            <a:endParaRPr lang="en-US" dirty="0"/>
+          </a:p>
+        </p:txBody>
+      </p:sp>
+      <p:sp>
+        <p:nvSpPr>
+          <p:cNvPr id="4" name="슬라이드 번호 개체 틀 3"/>
+          <p:cNvSpPr>
+            <a:spLocks noGrp="1"/>
+          </p:cNvSpPr>
+          <p:nvPr>
+            <p:ph type="sldNum" sz="quarter" idx="5"/>
+          </p:nvPr>
+        </p:nvSpPr>
+        <p:spPr/>
+        <p:txBody>
+          <a:bodyPr/>
+          <a:lstStyle/>
+          <a:p>
+            <a:pPr marL="0" marR="0" lvl="0" indent="0" algn="r" defTabSz="972265" rtl="0" eaLnBrk="1" fontAlgn="base" latinLnBrk="0" hangingPunct="1">
+              <a:lnSpc>
+                <a:spcPct val="100000"/>
+              </a:lnSpc>
+              <a:spcBef>
+                <a:spcPct val="0"/>
+              </a:spcBef>
+              <a:spcAft>
+                <a:spcPct val="0"/>
+              </a:spcAft>
+              <a:buClrTx/>
+              <a:buSzTx/>
+              <a:buFontTx/>
+              <a:buNone/>
+              <a:tabLst/>
+              <a:defRPr/>
+            </a:pPr>
+            <a:fld id="{10A37E06-B523-488F-87E4-3508340D6357}" type="slidenum">
+              <a:rPr kumimoji="0" lang="ko-KR" altLang="en-GB" sz="1300" b="0" i="0" u="none" strike="noStrike" kern="1200" cap="none" spc="0" normalizeH="0" baseline="0" noProof="0" smtClean="0">
+                <a:ln>
+                  <a:noFill/>
+                </a:ln>
+                <a:solidFill>
+                  <a:srgbClr val="000000"/>
+                </a:solidFill>
+                <a:effectLst/>
+                <a:uLnTx/>
+                <a:uFillTx/>
+                <a:latin typeface="Arial" charset="0"/>
+                <a:ea typeface="굴림" pitchFamily="50" charset="-127"/>
+                <a:cs typeface="+mn-cs"/>
+              </a:rPr>
+              <a:pPr marL="0" marR="0" lvl="0" indent="0" algn="r" defTabSz="972265" rtl="0" eaLnBrk="1" fontAlgn="base" latinLnBrk="0" hangingPunct="1">
+                <a:lnSpc>
+                  <a:spcPct val="100000"/>
+                </a:lnSpc>
+                <a:spcBef>
+                  <a:spcPct val="0"/>
+                </a:spcBef>
+                <a:spcAft>
+                  <a:spcPct val="0"/>
+                </a:spcAft>
+                <a:buClrTx/>
+                <a:buSzTx/>
+                <a:buFontTx/>
+                <a:buNone/>
+                <a:tabLst/>
+                <a:defRPr/>
+              </a:pPr>
+              <a:t>16</a:t>
+            </a:fld>
+            <a:endParaRPr kumimoji="0" lang="en-GB" altLang="ko-KR" sz="1300" b="0" i="0" u="none" strike="noStrike" kern="1200" cap="none" spc="0" normalizeH="0" baseline="0" noProof="0">
+              <a:ln>
+                <a:noFill/>
+              </a:ln>
+              <a:solidFill>
+                <a:srgbClr val="000000"/>
+              </a:solidFill>
+              <a:effectLst/>
+              <a:uLnTx/>
+              <a:uFillTx/>
+              <a:latin typeface="Arial" charset="0"/>
+              <a:ea typeface="굴림" pitchFamily="50" charset="-127"/>
+              <a:cs typeface="+mn-cs"/>
+            </a:endParaRPr>
+          </a:p>
+        </p:txBody>
+      </p:sp>
+    </p:spTree>
+    <p:extLst>
+      <p:ext uri="{BB962C8B-B14F-4D97-AF65-F5344CB8AC3E}">
+        <p14:creationId xmlns:p14="http://schemas.microsoft.com/office/powerpoint/2010/main" val="992700979"/>
       </p:ext>
     </p:extLst>
   </p:cSld>
@@ -4662,7 +4811,7 @@
                 <a:ea typeface="Malgun Gothic"/>
                 <a:cs typeface="Arial"/>
               </a:rPr>
-              <a:t>2. Quantum Federated Learning: </a:t>
+              <a:t>3. Quantum Federated Learning: </a:t>
             </a:r>
             <a:r>
               <a:rPr lang="en-US" sz="2400" b="0" i="1" dirty="0">
@@ -5270,7 +5419,7 @@
                 <a:ea typeface="굴림"/>
                 <a:cs typeface="Arial"/>
               </a:rPr>
-              <a:t>2. Quantum Machine Learning: </a:t>
+              <a:t>3. Quantum Federated Learning: </a:t>
             </a:r>
             <a:r>
               <a:rPr lang="en-US" sz="2400" b="0" i="1" dirty="0" err="1">
@@ -5793,7 +5942,7 @@
                 <a:ea typeface="굴림"/>
                 <a:cs typeface="Arial"/>
               </a:rPr>
-              <a:t>2. Quantum Machine Learning: </a:t>
+              <a:t>3. Quantum Federated Learning: </a:t>
             </a:r>
             <a:r>
               <a:rPr lang="en-US" sz="2400" b="0" i="1" dirty="0" err="1">
@@ -6045,7 +6194,7 @@
                 <a:ea typeface="굴림"/>
                 <a:cs typeface="Arial"/>
               </a:rPr>
-              <a:t>2. Quantum Machine Learning: </a:t>
+              <a:t>3. Quantum Federated Learning: </a:t>
             </a:r>
             <a:r>
               <a:rPr lang="en-US" sz="2400" b="0" i="1" dirty="0" err="1">
@@ -6267,7 +6416,7 @@
                 <a:ea typeface="굴림"/>
                 <a:cs typeface="Arial"/>
               </a:rPr>
-              <a:t>2. Quantum Machine Learning: </a:t>
+              <a:t>3. Quantum Federated Learning: </a:t>
             </a:r>
             <a:r>
               <a:rPr lang="en-US" sz="2400" b="0" i="1" dirty="0">
@@ -6918,7 +7067,7 @@
                 <a:ea typeface="굴림"/>
                 <a:cs typeface="Arial"/>
               </a:rPr>
-              <a:t>2. Quantum Machine Learning: </a:t>
+              <a:t>4. Simulation: </a:t>
             </a:r>
             <a:r>
               <a:rPr lang="en-US" sz="2400" b="0" i="1" dirty="0">
@@ -6926,11 +7075,24 @@
                 <a:ea typeface="Malgun Gothic"/>
                 <a:cs typeface="Arial"/>
               </a:rPr>
-              <a:t>QFL-Deep Unfolding Network</a:t>
-            </a:r>
-          </a:p>
-          <a:p>
-            <a:endParaRPr lang="en-US" altLang="ko-KR" sz="2400" b="0" i="1">
+              <a:t>QFL-Deep Unfolding Network </a:t>
+            </a:r>
+            <a:r>
+              <a:rPr lang="en-US" sz="2400" b="0" i="1" dirty="0" err="1">
+                <a:latin typeface="Malgun Gothic"/>
+                <a:ea typeface="Malgun Gothic"/>
+                <a:cs typeface="Arial"/>
+              </a:rPr>
+              <a:t>Github</a:t>
+            </a:r>
+            <a:endParaRPr lang="en-US" sz="2400" b="0" i="1" dirty="0">
+              <a:latin typeface="Malgun Gothic"/>
+              <a:ea typeface="Malgun Gothic"/>
+              <a:cs typeface="Arial"/>
+            </a:endParaRPr>
+          </a:p>
+          <a:p>
+            <a:endParaRPr lang="en-US" altLang="ko-KR" sz="2400" b="0" i="1" dirty="0">
               <a:effectLst/>
               <a:ea typeface="굴림"/>
             </a:endParaRPr>
@@ -7155,6 +7317,346 @@
     <p:extLst>
       <p:ext uri="{BB962C8B-B14F-4D97-AF65-F5344CB8AC3E}">
         <p14:creationId xmlns:p14="http://schemas.microsoft.com/office/powerpoint/2010/main" val="2160446120"/>
+      </p:ext>
+    </p:extLst>
+  </p:cSld>
+  <p:clrMapOvr>
+    <a:masterClrMapping/>
+  </p:clrMapOvr>
+  <p:transition>
+    <p:fade/>
+  </p:transition>
+</p:sld>
+</file>
+
+<file path=ppt/slides/slide16.xml><?xml version="1.0" encoding="utf-8"?>
+<p:sld xmlns:a="http://schemas.openxmlformats.org/drawingml/2006/main" xmlns:r="http://schemas.openxmlformats.org/officeDocument/2006/relationships" xmlns:p="http://schemas.openxmlformats.org/presentationml/2006/main">
+  <p:cSld>
+    <p:spTree>
+      <p:nvGrpSpPr>
+        <p:cNvPr id="1" name=""/>
+        <p:cNvGrpSpPr/>
+        <p:nvPr/>
+      </p:nvGrpSpPr>
+      <p:grpSpPr>
+        <a:xfrm>
+          <a:off x="0" y="0"/>
+          <a:ext cx="0" cy="0"/>
+          <a:chOff x="0" y="0"/>
+          <a:chExt cx="0" cy="0"/>
+        </a:xfrm>
+      </p:grpSpPr>
+      <p:sp>
+        <p:nvSpPr>
+          <p:cNvPr id="4" name="Slide Number Placeholder 3"/>
+          <p:cNvSpPr>
+            <a:spLocks noGrp="1"/>
+          </p:cNvSpPr>
+          <p:nvPr>
+            <p:ph type="sldNum" sz="quarter" idx="4"/>
+          </p:nvPr>
+        </p:nvSpPr>
+        <p:spPr>
+          <a:xfrm>
+            <a:off x="11486429" y="6626850"/>
+            <a:ext cx="730251" cy="331787"/>
+          </a:xfrm>
+        </p:spPr>
+        <p:txBody>
+          <a:bodyPr/>
+          <a:lstStyle/>
+          <a:p>
+            <a:pPr marL="0" marR="0" lvl="0" indent="0" algn="ctr" defTabSz="914400" rtl="0" eaLnBrk="1" fontAlgn="base" latinLnBrk="0" hangingPunct="1">
+              <a:lnSpc>
+                <a:spcPct val="100000"/>
+              </a:lnSpc>
+              <a:spcBef>
+                <a:spcPct val="0"/>
+              </a:spcBef>
+              <a:spcAft>
+                <a:spcPct val="0"/>
+              </a:spcAft>
+              <a:buClrTx/>
+              <a:buSzTx/>
+              <a:buFontTx/>
+              <a:buNone/>
+              <a:tabLst/>
+              <a:defRPr/>
+            </a:pPr>
+            <a:fld id="{5B0B1232-FD83-41E3-BF8E-DEF9EFD61675}" type="slidenum">
+              <a:rPr kumimoji="0" lang="ko-KR" altLang="en-US" sz="1200" b="0" i="0" u="none" strike="noStrike" kern="1200" cap="none" spc="0" normalizeH="0" baseline="0" noProof="0" smtClean="0">
+                <a:ln>
+                  <a:noFill/>
+                </a:ln>
+                <a:solidFill>
+                  <a:srgbClr val="FFFFFF">
+                    <a:lumMod val="65000"/>
+                  </a:srgbClr>
+                </a:solidFill>
+                <a:effectLst>
+                  <a:outerShdw blurRad="38100" dist="38100" dir="2700000" algn="tl">
+                    <a:srgbClr val="C0C0C0"/>
+                  </a:outerShdw>
+                </a:effectLst>
+                <a:uLnTx/>
+                <a:uFillTx/>
+                <a:latin typeface="Arial" panose="020B0604020202020204" pitchFamily="34" charset="0"/>
+                <a:ea typeface="굴림" pitchFamily="34" charset="-127"/>
+                <a:cs typeface="Arial" panose="020B0604020202020204" pitchFamily="34" charset="0"/>
+              </a:rPr>
+              <a:pPr marL="0" marR="0" lvl="0" indent="0" algn="ctr" defTabSz="914400" rtl="0" eaLnBrk="1" fontAlgn="base" latinLnBrk="0" hangingPunct="1">
+                <a:lnSpc>
+                  <a:spcPct val="100000"/>
+                </a:lnSpc>
+                <a:spcBef>
+                  <a:spcPct val="0"/>
+                </a:spcBef>
+                <a:spcAft>
+                  <a:spcPct val="0"/>
+                </a:spcAft>
+                <a:buClrTx/>
+                <a:buSzTx/>
+                <a:buFontTx/>
+                <a:buNone/>
+                <a:tabLst/>
+                <a:defRPr/>
+              </a:pPr>
+              <a:t>16</a:t>
+            </a:fld>
+            <a:endParaRPr kumimoji="0" lang="en-US" altLang="ko-KR" sz="1200" b="0" i="0" u="none" strike="noStrike" kern="1200" cap="none" spc="0" normalizeH="0" baseline="0" noProof="0" dirty="0">
+              <a:ln>
+                <a:noFill/>
+              </a:ln>
+              <a:solidFill>
+                <a:srgbClr val="FFFFFF">
+                  <a:lumMod val="65000"/>
+                </a:srgbClr>
+              </a:solidFill>
+              <a:effectLst>
+                <a:outerShdw blurRad="38100" dist="38100" dir="2700000" algn="tl">
+                  <a:srgbClr val="C0C0C0"/>
+                </a:outerShdw>
+              </a:effectLst>
+              <a:uLnTx/>
+              <a:uFillTx/>
+              <a:latin typeface="Arial" panose="020B0604020202020204" pitchFamily="34" charset="0"/>
+              <a:ea typeface="굴림" pitchFamily="34" charset="-127"/>
+              <a:cs typeface="Arial" panose="020B0604020202020204" pitchFamily="34" charset="0"/>
+            </a:endParaRPr>
+          </a:p>
+        </p:txBody>
+      </p:sp>
+      <p:sp>
+        <p:nvSpPr>
+          <p:cNvPr id="11" name="제목 10"/>
+          <p:cNvSpPr>
+            <a:spLocks noGrp="1"/>
+          </p:cNvSpPr>
+          <p:nvPr>
+            <p:ph type="title"/>
+          </p:nvPr>
+        </p:nvSpPr>
+        <p:spPr>
+          <a:xfrm>
+            <a:off x="509332" y="642772"/>
+            <a:ext cx="10355902" cy="537830"/>
+          </a:xfrm>
+        </p:spPr>
+        <p:txBody>
+          <a:bodyPr/>
+          <a:lstStyle/>
+          <a:p>
+            <a:r>
+              <a:rPr lang="en-US" altLang="ko-KR" dirty="0">
+                <a:latin typeface="맑은 고딕"/>
+                <a:ea typeface="굴림"/>
+                <a:cs typeface="Arial"/>
+              </a:rPr>
+              <a:t>Related Works</a:t>
+            </a:r>
+            <a:endParaRPr lang="en-US" altLang="ko-KR" sz="2400" b="0" i="1" dirty="0">
+              <a:effectLst/>
+              <a:ea typeface="굴림"/>
+            </a:endParaRPr>
+          </a:p>
+        </p:txBody>
+      </p:sp>
+      <p:sp>
+        <p:nvSpPr>
+          <p:cNvPr id="9" name="TextBox 8">
+            <a:extLst>
+              <a:ext uri="{FF2B5EF4-FFF2-40B4-BE49-F238E27FC236}">
+                <a16:creationId xmlns:a16="http://schemas.microsoft.com/office/drawing/2014/main" id="{C6F9D7FB-A0EA-72CB-144D-DF0DD2F2FC2E}"/>
+              </a:ext>
+            </a:extLst>
+          </p:cNvPr>
+          <p:cNvSpPr txBox="1"/>
+          <p:nvPr/>
+        </p:nvSpPr>
+        <p:spPr>
+          <a:xfrm>
+            <a:off x="767406" y="1309985"/>
+            <a:ext cx="8061961" cy="2185214"/>
+          </a:xfrm>
+          <a:prstGeom prst="rect">
+            <a:avLst/>
+          </a:prstGeom>
+          <a:noFill/>
+        </p:spPr>
+        <p:txBody>
+          <a:bodyPr wrap="square" lIns="91440" tIns="45720" rIns="91440" bIns="45720" rtlCol="0" anchor="t">
+            <a:spAutoFit/>
+          </a:bodyPr>
+          <a:lstStyle/>
+          <a:p>
+            <a:pPr marL="285750" indent="-285750" fontAlgn="base">
+              <a:spcBef>
+                <a:spcPct val="0"/>
+              </a:spcBef>
+              <a:spcAft>
+                <a:spcPct val="0"/>
+              </a:spcAft>
+              <a:buFont typeface="Wingdings" panose="05000000000000000000" pitchFamily="2" charset="2"/>
+              <a:buChar char="v"/>
+              <a:defRPr/>
+            </a:pPr>
+            <a:r>
+              <a:rPr lang="en-US" b="1" dirty="0">
+                <a:solidFill>
+                  <a:srgbClr val="1D528D"/>
+                </a:solidFill>
+                <a:latin typeface="Times New Roman"/>
+                <a:ea typeface="SimSun"/>
+                <a:cs typeface="Times New Roman"/>
+                <a:hlinkClick r:id="rId3"/>
+              </a:rPr>
+              <a:t>https://github.com/WhiteByeBye/Post-Quantum-Secure-Blockchained-Federated-Learning.git</a:t>
+            </a:r>
+            <a:endParaRPr lang="en-US" b="1" dirty="0">
+              <a:solidFill>
+                <a:srgbClr val="1D528D"/>
+              </a:solidFill>
+              <a:latin typeface="Times New Roman"/>
+              <a:ea typeface="SimSun"/>
+              <a:cs typeface="Times New Roman"/>
+            </a:endParaRPr>
+          </a:p>
+          <a:p>
+            <a:pPr marL="285750" indent="-285750" fontAlgn="base">
+              <a:spcBef>
+                <a:spcPct val="0"/>
+              </a:spcBef>
+              <a:spcAft>
+                <a:spcPct val="0"/>
+              </a:spcAft>
+              <a:buFont typeface="Wingdings" panose="05000000000000000000" pitchFamily="2" charset="2"/>
+              <a:buChar char="v"/>
+              <a:defRPr/>
+            </a:pPr>
+            <a:endParaRPr lang="en-US" b="1" dirty="0">
+              <a:solidFill>
+                <a:srgbClr val="1D528D"/>
+              </a:solidFill>
+              <a:latin typeface="Times New Roman"/>
+              <a:ea typeface="SimSun"/>
+              <a:cs typeface="Times New Roman"/>
+            </a:endParaRPr>
+          </a:p>
+          <a:p>
+            <a:pPr lvl="1">
+              <a:spcBef>
+                <a:spcPct val="0"/>
+              </a:spcBef>
+              <a:spcAft>
+                <a:spcPct val="0"/>
+              </a:spcAft>
+              <a:defRPr/>
+            </a:pPr>
+            <a:endParaRPr lang="en-US" dirty="0">
+              <a:latin typeface="Times New Roman"/>
+              <a:ea typeface="SimSun"/>
+              <a:cs typeface="Times New Roman"/>
+            </a:endParaRPr>
+          </a:p>
+          <a:p>
+            <a:pPr>
+              <a:spcBef>
+                <a:spcPct val="0"/>
+              </a:spcBef>
+              <a:spcAft>
+                <a:spcPct val="0"/>
+              </a:spcAft>
+              <a:defRPr/>
+            </a:pPr>
+            <a:endParaRPr lang="en-US" dirty="0">
+              <a:solidFill>
+                <a:srgbClr val="1D528D"/>
+              </a:solidFill>
+              <a:latin typeface="Times New Roman" pitchFamily="18" charset="0"/>
+              <a:ea typeface="SimSun" pitchFamily="2" charset="-122"/>
+              <a:cs typeface="Times New Roman" pitchFamily="18" charset="0"/>
+            </a:endParaRPr>
+          </a:p>
+          <a:p>
+            <a:pPr marL="285750" indent="-285750" fontAlgn="base">
+              <a:spcBef>
+                <a:spcPts val="600"/>
+              </a:spcBef>
+              <a:spcAft>
+                <a:spcPct val="0"/>
+              </a:spcAft>
+              <a:buFont typeface="Wingdings" panose="05000000000000000000" pitchFamily="2" charset="2"/>
+              <a:buChar char="v"/>
+              <a:defRPr/>
+            </a:pPr>
+            <a:r>
+              <a:rPr lang="en-US" b="1" dirty="0">
+                <a:solidFill>
+                  <a:srgbClr val="1D528D"/>
+                </a:solidFill>
+                <a:latin typeface="Times New Roman" pitchFamily="18" charset="0"/>
+                <a:ea typeface="SimSun" pitchFamily="2" charset="-122"/>
+                <a:cs typeface="Times New Roman" pitchFamily="18" charset="0"/>
+                <a:hlinkClick r:id="rId4"/>
+              </a:rPr>
+              <a:t>https://github.com/s222416822/PQC-QFL-Model.git</a:t>
+            </a:r>
+            <a:endParaRPr lang="en-US" b="1" dirty="0">
+              <a:solidFill>
+                <a:srgbClr val="1D528D"/>
+              </a:solidFill>
+              <a:latin typeface="Times New Roman" pitchFamily="18" charset="0"/>
+              <a:ea typeface="SimSun" pitchFamily="2" charset="-122"/>
+              <a:cs typeface="Times New Roman" pitchFamily="18" charset="0"/>
+            </a:endParaRPr>
+          </a:p>
+          <a:p>
+            <a:pPr marL="285750" indent="-285750" fontAlgn="base">
+              <a:spcBef>
+                <a:spcPts val="600"/>
+              </a:spcBef>
+              <a:spcAft>
+                <a:spcPct val="0"/>
+              </a:spcAft>
+              <a:buFont typeface="Wingdings" panose="05000000000000000000" pitchFamily="2" charset="2"/>
+              <a:buChar char="v"/>
+              <a:defRPr/>
+            </a:pPr>
+            <a:endParaRPr lang="en-US" dirty="0">
+              <a:solidFill>
+                <a:srgbClr val="1D528D"/>
+              </a:solidFill>
+              <a:latin typeface="Times New Roman" pitchFamily="18" charset="0"/>
+              <a:ea typeface="SimSun" pitchFamily="2" charset="-122"/>
+              <a:cs typeface="Times New Roman" pitchFamily="18" charset="0"/>
+            </a:endParaRPr>
+          </a:p>
+        </p:txBody>
+      </p:sp>
+    </p:spTree>
+    <p:extLst>
+      <p:ext uri="{BB962C8B-B14F-4D97-AF65-F5344CB8AC3E}">
+        <p14:creationId xmlns:p14="http://schemas.microsoft.com/office/powerpoint/2010/main" val="3030835434"/>
       </p:ext>
     </p:extLst>
   </p:cSld>
@@ -12523,7 +13025,7 @@
                 <a:ea typeface="Malgun Gothic"/>
                 <a:cs typeface="Arial"/>
               </a:rPr>
-              <a:t>2. Quantum Federated Learning: </a:t>
+              <a:t>3. Quantum Federated Learning: </a:t>
             </a:r>
             <a:r>
               <a:rPr lang="en-US" sz="2400" b="0" i="1" dirty="0">
